--- a/bc_starter_package/doc/High Level Biomedical Concept Process.pptx
+++ b/bc_starter_package/doc/High Level Biomedical Concept Process.pptx
@@ -261,7 +261,7 @@
           <a:p>
             <a:fld id="{1F0C0C0E-FD08-4F63-8E4A-19EEADE94ED5}" type="datetimeFigureOut">
               <a:rPr lang="en-US" smtClean="0"/>
-              <a:t>7/10/2023</a:t>
+              <a:t>5/22/2025</a:t>
             </a:fld>
             <a:endParaRPr lang="en-US"/>
           </a:p>
@@ -459,7 +459,7 @@
           <a:p>
             <a:fld id="{1F0C0C0E-FD08-4F63-8E4A-19EEADE94ED5}" type="datetimeFigureOut">
               <a:rPr lang="en-US" smtClean="0"/>
-              <a:t>7/10/2023</a:t>
+              <a:t>5/22/2025</a:t>
             </a:fld>
             <a:endParaRPr lang="en-US"/>
           </a:p>
@@ -667,7 +667,7 @@
           <a:p>
             <a:fld id="{1F0C0C0E-FD08-4F63-8E4A-19EEADE94ED5}" type="datetimeFigureOut">
               <a:rPr lang="en-US" smtClean="0"/>
-              <a:t>7/10/2023</a:t>
+              <a:t>5/22/2025</a:t>
             </a:fld>
             <a:endParaRPr lang="en-US"/>
           </a:p>
@@ -865,7 +865,7 @@
           <a:p>
             <a:fld id="{1F0C0C0E-FD08-4F63-8E4A-19EEADE94ED5}" type="datetimeFigureOut">
               <a:rPr lang="en-US" smtClean="0"/>
-              <a:t>7/10/2023</a:t>
+              <a:t>5/22/2025</a:t>
             </a:fld>
             <a:endParaRPr lang="en-US"/>
           </a:p>
@@ -1140,7 +1140,7 @@
           <a:p>
             <a:fld id="{1F0C0C0E-FD08-4F63-8E4A-19EEADE94ED5}" type="datetimeFigureOut">
               <a:rPr lang="en-US" smtClean="0"/>
-              <a:t>7/10/2023</a:t>
+              <a:t>5/22/2025</a:t>
             </a:fld>
             <a:endParaRPr lang="en-US"/>
           </a:p>
@@ -1405,7 +1405,7 @@
           <a:p>
             <a:fld id="{1F0C0C0E-FD08-4F63-8E4A-19EEADE94ED5}" type="datetimeFigureOut">
               <a:rPr lang="en-US" smtClean="0"/>
-              <a:t>7/10/2023</a:t>
+              <a:t>5/22/2025</a:t>
             </a:fld>
             <a:endParaRPr lang="en-US"/>
           </a:p>
@@ -1817,7 +1817,7 @@
           <a:p>
             <a:fld id="{1F0C0C0E-FD08-4F63-8E4A-19EEADE94ED5}" type="datetimeFigureOut">
               <a:rPr lang="en-US" smtClean="0"/>
-              <a:t>7/10/2023</a:t>
+              <a:t>5/22/2025</a:t>
             </a:fld>
             <a:endParaRPr lang="en-US"/>
           </a:p>
@@ -1958,7 +1958,7 @@
           <a:p>
             <a:fld id="{1F0C0C0E-FD08-4F63-8E4A-19EEADE94ED5}" type="datetimeFigureOut">
               <a:rPr lang="en-US" smtClean="0"/>
-              <a:t>7/10/2023</a:t>
+              <a:t>5/22/2025</a:t>
             </a:fld>
             <a:endParaRPr lang="en-US"/>
           </a:p>
@@ -2071,7 +2071,7 @@
           <a:p>
             <a:fld id="{1F0C0C0E-FD08-4F63-8E4A-19EEADE94ED5}" type="datetimeFigureOut">
               <a:rPr lang="en-US" smtClean="0"/>
-              <a:t>7/10/2023</a:t>
+              <a:t>5/22/2025</a:t>
             </a:fld>
             <a:endParaRPr lang="en-US"/>
           </a:p>
@@ -2382,7 +2382,7 @@
           <a:p>
             <a:fld id="{1F0C0C0E-FD08-4F63-8E4A-19EEADE94ED5}" type="datetimeFigureOut">
               <a:rPr lang="en-US" smtClean="0"/>
-              <a:t>7/10/2023</a:t>
+              <a:t>5/22/2025</a:t>
             </a:fld>
             <a:endParaRPr lang="en-US"/>
           </a:p>
@@ -2670,7 +2670,7 @@
           <a:p>
             <a:fld id="{1F0C0C0E-FD08-4F63-8E4A-19EEADE94ED5}" type="datetimeFigureOut">
               <a:rPr lang="en-US" smtClean="0"/>
-              <a:t>7/10/2023</a:t>
+              <a:t>5/22/2025</a:t>
             </a:fld>
             <a:endParaRPr lang="en-US"/>
           </a:p>
@@ -2911,7 +2911,7 @@
           <a:p>
             <a:fld id="{1F0C0C0E-FD08-4F63-8E4A-19EEADE94ED5}" type="datetimeFigureOut">
               <a:rPr lang="en-US" smtClean="0"/>
-              <a:t>7/10/2023</a:t>
+              <a:t>5/22/2025</a:t>
             </a:fld>
             <a:endParaRPr lang="en-US"/>
           </a:p>
@@ -3667,13 +3667,8 @@
             <a:pPr algn="ctr"/>
             <a:r>
               <a:rPr lang="en-US" sz="1200" dirty="0"/>
-              <a:t>Create a BC Dataset </a:t>
-            </a:r>
-            <a:r>
-              <a:rPr lang="en-US" sz="1200" dirty="0" err="1"/>
-              <a:t>Dpecialization</a:t>
-            </a:r>
-            <a:endParaRPr lang="en-US" sz="1200" dirty="0"/>
+              <a:t>Create a BC Dataset Specialization</a:t>
+            </a:r>
           </a:p>
         </p:txBody>
       </p:sp>
